--- a/figures.pptx
+++ b/figures.pptx
@@ -10,20 +10,21 @@
     <p:sldId id="263" r:id="rId4"/>
     <p:sldId id="264" r:id="rId5"/>
     <p:sldId id="268" r:id="rId6"/>
-    <p:sldId id="269" r:id="rId7"/>
-    <p:sldId id="267" r:id="rId8"/>
-    <p:sldId id="265" r:id="rId9"/>
-    <p:sldId id="266" r:id="rId10"/>
-    <p:sldId id="270" r:id="rId11"/>
-    <p:sldId id="272" r:id="rId12"/>
-    <p:sldId id="273" r:id="rId13"/>
-    <p:sldId id="274" r:id="rId14"/>
-    <p:sldId id="275" r:id="rId15"/>
+    <p:sldId id="276" r:id="rId7"/>
+    <p:sldId id="269" r:id="rId8"/>
+    <p:sldId id="267" r:id="rId9"/>
+    <p:sldId id="265" r:id="rId10"/>
+    <p:sldId id="266" r:id="rId11"/>
+    <p:sldId id="270" r:id="rId12"/>
+    <p:sldId id="272" r:id="rId13"/>
+    <p:sldId id="273" r:id="rId14"/>
+    <p:sldId id="274" r:id="rId15"/>
+    <p:sldId id="275" r:id="rId16"/>
   </p:sldIdLst>
   <p:sldSz cx="9144000" cy="6858000" type="screen4x3"/>
   <p:notesSz cx="6858000" cy="9144000"/>
   <p:custDataLst>
-    <p:tags r:id="rId16"/>
+    <p:tags r:id="rId17"/>
   </p:custDataLst>
   <p:defaultTextStyle>
     <a:defPPr>
@@ -353,7 +354,7 @@
       </p:sp>
       <p:sp>
         <p:nvSpPr>
-          <p:cNvPr id="11" name="Footer Placeholder 10"/>
+          <p:cNvPr id="8" name="Footer Placeholder 7"/>
           <p:cNvSpPr>
             <a:spLocks noGrp="1"/>
           </p:cNvSpPr>
@@ -2859,7 +2860,7 @@
       </p:sp>
       <p:sp>
         <p:nvSpPr>
-          <p:cNvPr id="11" name="Footer Placeholder 10"/>
+          <p:cNvPr id="8" name="Footer Placeholder 7"/>
           <p:cNvSpPr>
             <a:spLocks noGrp="1"/>
           </p:cNvSpPr>
@@ -3200,8 +3201,8 @@
         </p:blipFill>
         <p:spPr>
           <a:xfrm>
-            <a:off x="-1066800" y="-533400"/>
-            <a:ext cx="6351447" cy="4636556"/>
+            <a:off x="2572406" y="808233"/>
+            <a:ext cx="4151588" cy="3030659"/>
           </a:xfrm>
           <a:prstGeom prst="rect">
             <a:avLst/>
@@ -3224,8 +3225,8 @@
         </p:blipFill>
         <p:spPr>
           <a:xfrm>
-            <a:off x="685800" y="1784878"/>
-            <a:ext cx="6300635" cy="4763585"/>
+            <a:off x="371437" y="4063171"/>
+            <a:ext cx="3768763" cy="2849367"/>
           </a:xfrm>
           <a:prstGeom prst="rect">
             <a:avLst/>
@@ -3248,14 +3249,84 @@
         </p:blipFill>
         <p:spPr>
           <a:xfrm>
-            <a:off x="5791200" y="279463"/>
-            <a:ext cx="6224418" cy="4484122"/>
+            <a:off x="5181600" y="4287450"/>
+            <a:ext cx="3643890" cy="2625088"/>
           </a:xfrm>
           <a:prstGeom prst="rect">
             <a:avLst/>
           </a:prstGeom>
         </p:spPr>
       </p:pic>
+      <p:sp>
+        <p:nvSpPr>
+          <p:cNvPr id="2" name="Down Arrow 1"/>
+          <p:cNvSpPr/>
+          <p:nvPr/>
+        </p:nvSpPr>
+        <p:spPr>
+          <a:xfrm>
+            <a:off x="4495800" y="3838892"/>
+            <a:ext cx="304800" cy="352108"/>
+          </a:xfrm>
+          <a:prstGeom prst="downArrow">
+            <a:avLst/>
+          </a:prstGeom>
+        </p:spPr>
+        <p:style>
+          <a:lnRef idx="2">
+            <a:schemeClr val="accent1">
+              <a:shade val="50000"/>
+            </a:schemeClr>
+          </a:lnRef>
+          <a:fillRef idx="1">
+            <a:schemeClr val="accent1"/>
+          </a:fillRef>
+          <a:effectRef idx="0">
+            <a:schemeClr val="accent1"/>
+          </a:effectRef>
+          <a:fontRef idx="minor">
+            <a:schemeClr val="lt1"/>
+          </a:fontRef>
+        </p:style>
+        <p:txBody>
+          <a:bodyPr rtlCol="0" anchor="ctr"/>
+          <a:lstStyle/>
+          <a:p>
+            <a:pPr algn="ctr"/>
+            <a:endParaRPr lang="en-US"/>
+          </a:p>
+        </p:txBody>
+      </p:sp>
+      <p:sp>
+        <p:nvSpPr>
+          <p:cNvPr id="3" name="Title 2"/>
+          <p:cNvSpPr>
+            <a:spLocks noGrp="1"/>
+          </p:cNvSpPr>
+          <p:nvPr>
+            <p:ph type="title"/>
+          </p:nvPr>
+        </p:nvSpPr>
+        <p:spPr>
+          <a:xfrm>
+            <a:off x="457200" y="274638"/>
+            <a:ext cx="8229600" cy="533595"/>
+          </a:xfrm>
+        </p:spPr>
+        <p:txBody>
+          <a:bodyPr>
+            <a:normAutofit fontScale="90000"/>
+          </a:bodyPr>
+          <a:lstStyle/>
+          <a:p>
+            <a:r>
+              <a:rPr lang="en-US" dirty="0" smtClean="0"/>
+              <a:t>Domestic gross ~ release season </a:t>
+            </a:r>
+            <a:endParaRPr lang="en-US" dirty="0"/>
+          </a:p>
+        </p:txBody>
+      </p:sp>
     </p:spTree>
     <p:extLst>
       <p:ext uri="{BB962C8B-B14F-4D97-AF65-F5344CB8AC3E}">
@@ -3286,29 +3357,6 @@
           <a:chExt cx="0" cy="0"/>
         </a:xfrm>
       </p:grpSpPr>
-      <p:sp>
-        <p:nvSpPr>
-          <p:cNvPr id="2" name="Title 1"/>
-          <p:cNvSpPr>
-            <a:spLocks noGrp="1"/>
-          </p:cNvSpPr>
-          <p:nvPr>
-            <p:ph type="title"/>
-          </p:nvPr>
-        </p:nvSpPr>
-        <p:spPr/>
-        <p:txBody>
-          <a:bodyPr/>
-          <a:lstStyle/>
-          <a:p>
-            <a:r>
-              <a:rPr lang="en-US" dirty="0" err="1"/>
-              <a:t>wide_release_log</a:t>
-            </a:r>
-            <a:endParaRPr lang="en-US" dirty="0"/>
-          </a:p>
-        </p:txBody>
-      </p:sp>
       <p:pic>
         <p:nvPicPr>
           <p:cNvPr id="4" name="Picture 3"/>
@@ -3325,8 +3373,8 @@
         </p:blipFill>
         <p:spPr>
           <a:xfrm>
-            <a:off x="1600200" y="1524000"/>
-            <a:ext cx="6148201" cy="4407904"/>
+            <a:off x="1459791" y="939233"/>
+            <a:ext cx="6224418" cy="4979534"/>
           </a:xfrm>
           <a:prstGeom prst="rect">
             <a:avLst/>
@@ -3336,7 +3384,7 @@
     </p:spTree>
     <p:extLst>
       <p:ext uri="{BB962C8B-B14F-4D97-AF65-F5344CB8AC3E}">
-        <p14:creationId xmlns:p14="http://schemas.microsoft.com/office/powerpoint/2010/main" val="3872718967"/>
+        <p14:creationId xmlns:p14="http://schemas.microsoft.com/office/powerpoint/2010/main" val="55739396"/>
       </p:ext>
     </p:extLst>
   </p:cSld>
@@ -3380,7 +3428,7 @@
           <a:p>
             <a:r>
               <a:rPr lang="en-US" dirty="0" err="1"/>
-              <a:t>release_ind</a:t>
+              <a:t>wide_release_log</a:t>
             </a:r>
             <a:endParaRPr lang="en-US" dirty="0"/>
           </a:p>
@@ -3402,8 +3450,8 @@
         </p:blipFill>
         <p:spPr>
           <a:xfrm>
-            <a:off x="1485197" y="1225048"/>
-            <a:ext cx="6173606" cy="4407904"/>
+            <a:off x="1600200" y="1524000"/>
+            <a:ext cx="6148201" cy="4407904"/>
           </a:xfrm>
           <a:prstGeom prst="rect">
             <a:avLst/>
@@ -3413,7 +3461,7 @@
     </p:spTree>
     <p:extLst>
       <p:ext uri="{BB962C8B-B14F-4D97-AF65-F5344CB8AC3E}">
-        <p14:creationId xmlns:p14="http://schemas.microsoft.com/office/powerpoint/2010/main" val="4040877389"/>
+        <p14:creationId xmlns:p14="http://schemas.microsoft.com/office/powerpoint/2010/main" val="3872718967"/>
       </p:ext>
     </p:extLst>
   </p:cSld>
@@ -3457,7 +3505,7 @@
           <a:p>
             <a:r>
               <a:rPr lang="en-US" dirty="0" err="1"/>
-              <a:t>season_ind</a:t>
+              <a:t>release_ind</a:t>
             </a:r>
             <a:endParaRPr lang="en-US" dirty="0"/>
           </a:p>
@@ -3490,7 +3538,7 @@
     </p:spTree>
     <p:extLst>
       <p:ext uri="{BB962C8B-B14F-4D97-AF65-F5344CB8AC3E}">
-        <p14:creationId xmlns:p14="http://schemas.microsoft.com/office/powerpoint/2010/main" val="1606234655"/>
+        <p14:creationId xmlns:p14="http://schemas.microsoft.com/office/powerpoint/2010/main" val="4040877389"/>
       </p:ext>
     </p:extLst>
   </p:cSld>
@@ -3534,7 +3582,7 @@
           <a:p>
             <a:r>
               <a:rPr lang="en-US" dirty="0" err="1"/>
-              <a:t>director_experience</a:t>
+              <a:t>season_ind</a:t>
             </a:r>
             <a:endParaRPr lang="en-US" dirty="0"/>
           </a:p>
@@ -3556,6 +3604,83 @@
         </p:blipFill>
         <p:spPr>
           <a:xfrm>
+            <a:off x="1485197" y="1225048"/>
+            <a:ext cx="6173606" cy="4407904"/>
+          </a:xfrm>
+          <a:prstGeom prst="rect">
+            <a:avLst/>
+          </a:prstGeom>
+        </p:spPr>
+      </p:pic>
+    </p:spTree>
+    <p:extLst>
+      <p:ext uri="{BB962C8B-B14F-4D97-AF65-F5344CB8AC3E}">
+        <p14:creationId xmlns:p14="http://schemas.microsoft.com/office/powerpoint/2010/main" val="1606234655"/>
+      </p:ext>
+    </p:extLst>
+  </p:cSld>
+  <p:clrMapOvr>
+    <a:masterClrMapping/>
+  </p:clrMapOvr>
+</p:sld>
+</file>
+
+<file path=ppt/slides/slide14.xml><?xml version="1.0" encoding="utf-8"?>
+<p:sld xmlns:a="http://schemas.openxmlformats.org/drawingml/2006/main" xmlns:r="http://schemas.openxmlformats.org/officeDocument/2006/relationships" xmlns:p="http://schemas.openxmlformats.org/presentationml/2006/main">
+  <p:cSld>
+    <p:spTree>
+      <p:nvGrpSpPr>
+        <p:cNvPr id="1" name=""/>
+        <p:cNvGrpSpPr/>
+        <p:nvPr/>
+      </p:nvGrpSpPr>
+      <p:grpSpPr>
+        <a:xfrm>
+          <a:off x="0" y="0"/>
+          <a:ext cx="0" cy="0"/>
+          <a:chOff x="0" y="0"/>
+          <a:chExt cx="0" cy="0"/>
+        </a:xfrm>
+      </p:grpSpPr>
+      <p:sp>
+        <p:nvSpPr>
+          <p:cNvPr id="2" name="Title 1"/>
+          <p:cNvSpPr>
+            <a:spLocks noGrp="1"/>
+          </p:cNvSpPr>
+          <p:nvPr>
+            <p:ph type="title"/>
+          </p:nvPr>
+        </p:nvSpPr>
+        <p:spPr/>
+        <p:txBody>
+          <a:bodyPr/>
+          <a:lstStyle/>
+          <a:p>
+            <a:r>
+              <a:rPr lang="en-US" dirty="0" err="1"/>
+              <a:t>director_experience</a:t>
+            </a:r>
+            <a:endParaRPr lang="en-US" dirty="0"/>
+          </a:p>
+        </p:txBody>
+      </p:sp>
+      <p:pic>
+        <p:nvPicPr>
+          <p:cNvPr id="4" name="Picture 3"/>
+          <p:cNvPicPr>
+            <a:picLocks noChangeAspect="1"/>
+          </p:cNvPicPr>
+          <p:nvPr/>
+        </p:nvPicPr>
+        <p:blipFill>
+          <a:blip r:embed="rId2"/>
+          <a:stretch>
+            <a:fillRect/>
+          </a:stretch>
+        </p:blipFill>
+        <p:spPr>
+          <a:xfrm>
             <a:off x="1497899" y="1225048"/>
             <a:ext cx="6148201" cy="4407904"/>
           </a:xfrm>
@@ -3577,7 +3702,7 @@
 </p:sld>
 </file>
 
-<file path=ppt/slides/slide14.xml><?xml version="1.0" encoding="utf-8"?>
+<file path=ppt/slides/slide15.xml><?xml version="1.0" encoding="utf-8"?>
 <p:sld xmlns:a="http://schemas.openxmlformats.org/drawingml/2006/main" xmlns:r="http://schemas.openxmlformats.org/officeDocument/2006/relationships" xmlns:p="http://schemas.openxmlformats.org/presentationml/2006/main">
   <p:cSld>
     <p:spTree>
@@ -3687,8 +3812,8 @@
         </p:blipFill>
         <p:spPr>
           <a:xfrm>
-            <a:off x="1295400" y="1752600"/>
-            <a:ext cx="6300635" cy="4763585"/>
+            <a:off x="228600" y="908776"/>
+            <a:ext cx="3756991" cy="2840467"/>
           </a:xfrm>
           <a:prstGeom prst="rect">
             <a:avLst/>
@@ -3711,8 +3836,8 @@
         </p:blipFill>
         <p:spPr>
           <a:xfrm>
-            <a:off x="4800600" y="457200"/>
-            <a:ext cx="6224418" cy="4585745"/>
+            <a:off x="5181600" y="1070113"/>
+            <a:ext cx="3636492" cy="2679130"/>
           </a:xfrm>
           <a:prstGeom prst="rect">
             <a:avLst/>
@@ -3735,14 +3860,100 @@
         </p:blipFill>
         <p:spPr>
           <a:xfrm>
-            <a:off x="-12700" y="457200"/>
-            <a:ext cx="6300635" cy="4763585"/>
+            <a:off x="2653941" y="3951084"/>
+            <a:ext cx="3836117" cy="2900290"/>
           </a:xfrm>
           <a:prstGeom prst="rect">
             <a:avLst/>
           </a:prstGeom>
         </p:spPr>
       </p:pic>
+      <p:sp>
+        <p:nvSpPr>
+          <p:cNvPr id="5" name="Title 2"/>
+          <p:cNvSpPr txBox="1">
+            <a:spLocks/>
+          </p:cNvSpPr>
+          <p:nvPr/>
+        </p:nvSpPr>
+        <p:spPr>
+          <a:xfrm>
+            <a:off x="457200" y="274638"/>
+            <a:ext cx="8229600" cy="533595"/>
+          </a:xfrm>
+          <a:prstGeom prst="rect">
+            <a:avLst/>
+          </a:prstGeom>
+        </p:spPr>
+        <p:txBody>
+          <a:bodyPr>
+            <a:normAutofit fontScale="82500" lnSpcReduction="20000"/>
+          </a:bodyPr>
+          <a:lstStyle>
+            <a:lvl1pPr algn="ctr" defTabSz="914400" rtl="0" eaLnBrk="1" latinLnBrk="0" hangingPunct="1">
+              <a:spcBef>
+                <a:spcPct val="0"/>
+              </a:spcBef>
+              <a:buNone/>
+              <a:defRPr sz="4400" kern="1200">
+                <a:solidFill>
+                  <a:schemeClr val="tx1"/>
+                </a:solidFill>
+                <a:latin typeface="+mj-lt"/>
+                <a:ea typeface="+mj-ea"/>
+                <a:cs typeface="+mj-cs"/>
+              </a:defRPr>
+            </a:lvl1pPr>
+          </a:lstStyle>
+          <a:p>
+            <a:r>
+              <a:rPr lang="en-US" dirty="0" smtClean="0"/>
+              <a:t>Domestic gross ~ # of genres </a:t>
+            </a:r>
+            <a:endParaRPr lang="en-US" dirty="0"/>
+          </a:p>
+        </p:txBody>
+      </p:sp>
+      <p:sp>
+        <p:nvSpPr>
+          <p:cNvPr id="6" name="Down Arrow 5"/>
+          <p:cNvSpPr/>
+          <p:nvPr/>
+        </p:nvSpPr>
+        <p:spPr>
+          <a:xfrm>
+            <a:off x="4495800" y="3505200"/>
+            <a:ext cx="304800" cy="352108"/>
+          </a:xfrm>
+          <a:prstGeom prst="downArrow">
+            <a:avLst/>
+          </a:prstGeom>
+        </p:spPr>
+        <p:style>
+          <a:lnRef idx="2">
+            <a:schemeClr val="accent1">
+              <a:shade val="50000"/>
+            </a:schemeClr>
+          </a:lnRef>
+          <a:fillRef idx="1">
+            <a:schemeClr val="accent1"/>
+          </a:fillRef>
+          <a:effectRef idx="0">
+            <a:schemeClr val="accent1"/>
+          </a:effectRef>
+          <a:fontRef idx="minor">
+            <a:schemeClr val="lt1"/>
+          </a:fontRef>
+        </p:style>
+        <p:txBody>
+          <a:bodyPr rtlCol="0" anchor="ctr"/>
+          <a:lstStyle/>
+          <a:p>
+            <a:pPr algn="ctr"/>
+            <a:endParaRPr lang="en-US"/>
+          </a:p>
+        </p:txBody>
+      </p:sp>
     </p:spTree>
     <p:extLst>
       <p:ext uri="{BB962C8B-B14F-4D97-AF65-F5344CB8AC3E}">
@@ -3789,8 +4000,8 @@
         </p:blipFill>
         <p:spPr>
           <a:xfrm>
-            <a:off x="-1" y="-1"/>
-            <a:ext cx="4143655" cy="3132803"/>
+            <a:off x="228600" y="981377"/>
+            <a:ext cx="3962400" cy="2995766"/>
           </a:xfrm>
           <a:prstGeom prst="rect">
             <a:avLst/>
@@ -3813,8 +4024,8 @@
         </p:blipFill>
         <p:spPr>
           <a:xfrm>
-            <a:off x="4114800" y="1"/>
-            <a:ext cx="4267200" cy="3196046"/>
+            <a:off x="4850296" y="1190252"/>
+            <a:ext cx="3836504" cy="2873464"/>
           </a:xfrm>
           <a:prstGeom prst="rect">
             <a:avLst/>
@@ -3837,14 +4048,100 @@
         </p:blipFill>
         <p:spPr>
           <a:xfrm>
-            <a:off x="2057400" y="3132803"/>
-            <a:ext cx="4876800" cy="3687097"/>
+            <a:off x="2743200" y="4150288"/>
+            <a:ext cx="3581400" cy="2707712"/>
           </a:xfrm>
           <a:prstGeom prst="rect">
             <a:avLst/>
           </a:prstGeom>
         </p:spPr>
       </p:pic>
+      <p:sp>
+        <p:nvSpPr>
+          <p:cNvPr id="6" name="Title 2"/>
+          <p:cNvSpPr txBox="1">
+            <a:spLocks/>
+          </p:cNvSpPr>
+          <p:nvPr/>
+        </p:nvSpPr>
+        <p:spPr>
+          <a:xfrm>
+            <a:off x="457200" y="274638"/>
+            <a:ext cx="8229600" cy="533595"/>
+          </a:xfrm>
+          <a:prstGeom prst="rect">
+            <a:avLst/>
+          </a:prstGeom>
+        </p:spPr>
+        <p:txBody>
+          <a:bodyPr>
+            <a:normAutofit fontScale="82500" lnSpcReduction="20000"/>
+          </a:bodyPr>
+          <a:lstStyle>
+            <a:lvl1pPr algn="ctr" defTabSz="914400" rtl="0" eaLnBrk="1" latinLnBrk="0" hangingPunct="1">
+              <a:spcBef>
+                <a:spcPct val="0"/>
+              </a:spcBef>
+              <a:buNone/>
+              <a:defRPr sz="4400" kern="1200">
+                <a:solidFill>
+                  <a:schemeClr val="tx1"/>
+                </a:solidFill>
+                <a:latin typeface="+mj-lt"/>
+                <a:ea typeface="+mj-ea"/>
+                <a:cs typeface="+mj-cs"/>
+              </a:defRPr>
+            </a:lvl1pPr>
+          </a:lstStyle>
+          <a:p>
+            <a:r>
+              <a:rPr lang="en-US" dirty="0" smtClean="0"/>
+              <a:t>Domestic gross ~ director experience</a:t>
+            </a:r>
+            <a:endParaRPr lang="en-US" dirty="0"/>
+          </a:p>
+        </p:txBody>
+      </p:sp>
+      <p:sp>
+        <p:nvSpPr>
+          <p:cNvPr id="7" name="Down Arrow 6"/>
+          <p:cNvSpPr/>
+          <p:nvPr/>
+        </p:nvSpPr>
+        <p:spPr>
+          <a:xfrm>
+            <a:off x="4495800" y="3733800"/>
+            <a:ext cx="304800" cy="352108"/>
+          </a:xfrm>
+          <a:prstGeom prst="downArrow">
+            <a:avLst/>
+          </a:prstGeom>
+        </p:spPr>
+        <p:style>
+          <a:lnRef idx="2">
+            <a:schemeClr val="accent1">
+              <a:shade val="50000"/>
+            </a:schemeClr>
+          </a:lnRef>
+          <a:fillRef idx="1">
+            <a:schemeClr val="accent1"/>
+          </a:fillRef>
+          <a:effectRef idx="0">
+            <a:schemeClr val="accent1"/>
+          </a:effectRef>
+          <a:fontRef idx="minor">
+            <a:schemeClr val="lt1"/>
+          </a:fontRef>
+        </p:style>
+        <p:txBody>
+          <a:bodyPr rtlCol="0" anchor="ctr"/>
+          <a:lstStyle/>
+          <a:p>
+            <a:pPr algn="ctr"/>
+            <a:endParaRPr lang="en-US"/>
+          </a:p>
+        </p:txBody>
+      </p:sp>
     </p:spTree>
     <p:extLst>
       <p:ext uri="{BB962C8B-B14F-4D97-AF65-F5344CB8AC3E}">
@@ -3891,8 +4188,8 @@
         </p:blipFill>
         <p:spPr>
           <a:xfrm>
-            <a:off x="533400" y="533400"/>
-            <a:ext cx="4938573" cy="3733800"/>
+            <a:off x="2597912" y="3771900"/>
+            <a:ext cx="4031488" cy="3048000"/>
           </a:xfrm>
           <a:prstGeom prst="rect">
             <a:avLst/>
@@ -3901,7 +4198,7 @@
       </p:pic>
       <p:pic>
         <p:nvPicPr>
-          <p:cNvPr id="3" name="Picture 2"/>
+          <p:cNvPr id="5" name="Picture 4"/>
           <p:cNvPicPr>
             <a:picLocks noChangeAspect="1"/>
           </p:cNvPicPr>
@@ -3915,14 +4212,84 @@
         </p:blipFill>
         <p:spPr>
           <a:xfrm>
-            <a:off x="5562600" y="838200"/>
-            <a:ext cx="3685857" cy="2655322"/>
+            <a:off x="228600" y="808233"/>
+            <a:ext cx="3807998" cy="3216838"/>
           </a:xfrm>
           <a:prstGeom prst="rect">
             <a:avLst/>
           </a:prstGeom>
         </p:spPr>
       </p:pic>
+      <p:pic>
+        <p:nvPicPr>
+          <p:cNvPr id="6" name="Picture 5"/>
+          <p:cNvPicPr>
+            <a:picLocks noChangeAspect="1"/>
+          </p:cNvPicPr>
+          <p:nvPr/>
+        </p:nvPicPr>
+        <p:blipFill>
+          <a:blip r:embed="rId4"/>
+          <a:stretch>
+            <a:fillRect/>
+          </a:stretch>
+        </p:blipFill>
+        <p:spPr>
+          <a:xfrm>
+            <a:off x="4876800" y="1010995"/>
+            <a:ext cx="3505200" cy="2811314"/>
+          </a:xfrm>
+          <a:prstGeom prst="rect">
+            <a:avLst/>
+          </a:prstGeom>
+        </p:spPr>
+      </p:pic>
+      <p:sp>
+        <p:nvSpPr>
+          <p:cNvPr id="7" name="Title 2"/>
+          <p:cNvSpPr txBox="1">
+            <a:spLocks/>
+          </p:cNvSpPr>
+          <p:nvPr/>
+        </p:nvSpPr>
+        <p:spPr>
+          <a:xfrm>
+            <a:off x="457200" y="274638"/>
+            <a:ext cx="8229600" cy="533595"/>
+          </a:xfrm>
+          <a:prstGeom prst="rect">
+            <a:avLst/>
+          </a:prstGeom>
+        </p:spPr>
+        <p:txBody>
+          <a:bodyPr>
+            <a:normAutofit fontScale="82500" lnSpcReduction="20000"/>
+          </a:bodyPr>
+          <a:lstStyle>
+            <a:lvl1pPr algn="ctr" defTabSz="914400" rtl="0" eaLnBrk="1" latinLnBrk="0" hangingPunct="1">
+              <a:spcBef>
+                <a:spcPct val="0"/>
+              </a:spcBef>
+              <a:buNone/>
+              <a:defRPr sz="4400" kern="1200">
+                <a:solidFill>
+                  <a:schemeClr val="tx1"/>
+                </a:solidFill>
+                <a:latin typeface="+mj-lt"/>
+                <a:ea typeface="+mj-ea"/>
+                <a:cs typeface="+mj-cs"/>
+              </a:defRPr>
+            </a:lvl1pPr>
+          </a:lstStyle>
+          <a:p>
+            <a:r>
+              <a:rPr lang="en-US" dirty="0" smtClean="0"/>
+              <a:t>Domestic gross ~ movie rating</a:t>
+            </a:r>
+            <a:endParaRPr lang="en-US" dirty="0"/>
+          </a:p>
+        </p:txBody>
+      </p:sp>
     </p:spTree>
     <p:extLst>
       <p:ext uri="{BB962C8B-B14F-4D97-AF65-F5344CB8AC3E}">
@@ -4023,18 +4390,64 @@
         </p:blipFill>
         <p:spPr>
           <a:xfrm>
-            <a:off x="1529657" y="1148830"/>
-            <a:ext cx="6084686" cy="4560339"/>
+            <a:off x="1219200" y="990599"/>
+            <a:ext cx="6629400" cy="5844209"/>
           </a:xfrm>
           <a:prstGeom prst="rect">
             <a:avLst/>
           </a:prstGeom>
         </p:spPr>
       </p:pic>
+      <p:sp>
+        <p:nvSpPr>
+          <p:cNvPr id="3" name="Title 2"/>
+          <p:cNvSpPr txBox="1">
+            <a:spLocks/>
+          </p:cNvSpPr>
+          <p:nvPr/>
+        </p:nvSpPr>
+        <p:spPr>
+          <a:xfrm>
+            <a:off x="457200" y="274638"/>
+            <a:ext cx="8229600" cy="533595"/>
+          </a:xfrm>
+          <a:prstGeom prst="rect">
+            <a:avLst/>
+          </a:prstGeom>
+        </p:spPr>
+        <p:txBody>
+          <a:bodyPr>
+            <a:normAutofit fontScale="82500" lnSpcReduction="20000"/>
+          </a:bodyPr>
+          <a:lstStyle>
+            <a:lvl1pPr algn="ctr" defTabSz="914400" rtl="0" eaLnBrk="1" latinLnBrk="0" hangingPunct="1">
+              <a:spcBef>
+                <a:spcPct val="0"/>
+              </a:spcBef>
+              <a:buNone/>
+              <a:defRPr sz="4400" kern="1200">
+                <a:solidFill>
+                  <a:schemeClr val="tx1"/>
+                </a:solidFill>
+                <a:latin typeface="+mj-lt"/>
+                <a:ea typeface="+mj-ea"/>
+                <a:cs typeface="+mj-cs"/>
+              </a:defRPr>
+            </a:lvl1pPr>
+          </a:lstStyle>
+          <a:p>
+            <a:r>
+              <a:rPr lang="en-US" dirty="0" smtClean="0"/>
+              <a:t>Correlation matrix</a:t>
+            </a:r>
+            <a:endParaRPr lang="en-US" dirty="0"/>
+          </a:p>
+        </p:txBody>
+      </p:sp>
     </p:spTree>
     <p:extLst>
       <p:ext uri="{BB962C8B-B14F-4D97-AF65-F5344CB8AC3E}">
-        <p14:creationId xmlns:p14="http://schemas.microsoft.com/office/powerpoint/2010/main" val="683795843"/>
+        <p14:creationId xmlns:p14="http://schemas.microsoft.com/office/powerpoint/2010/main" val="4186973384"/>
       </p:ext>
     </p:extLst>
   </p:cSld>
@@ -4061,52 +4474,34 @@
           <a:chExt cx="0" cy="0"/>
         </a:xfrm>
       </p:grpSpPr>
-      <p:sp>
-        <p:nvSpPr>
-          <p:cNvPr id="2" name="Title 1"/>
-          <p:cNvSpPr>
-            <a:spLocks noGrp="1"/>
-          </p:cNvSpPr>
-          <p:nvPr>
-            <p:ph type="title"/>
-          </p:nvPr>
-        </p:nvSpPr>
-        <p:spPr/>
-        <p:txBody>
-          <a:bodyPr/>
-          <a:lstStyle/>
-          <a:p>
-            <a:r>
-              <a:rPr lang="en-US" dirty="0" smtClean="0"/>
-              <a:t>Appendix</a:t>
-            </a:r>
-            <a:endParaRPr lang="en-US" dirty="0"/>
-          </a:p>
-        </p:txBody>
-      </p:sp>
-      <p:sp>
-        <p:nvSpPr>
-          <p:cNvPr id="3" name="Content Placeholder 2"/>
-          <p:cNvSpPr>
-            <a:spLocks noGrp="1"/>
-          </p:cNvSpPr>
-          <p:nvPr>
-            <p:ph idx="1"/>
-          </p:nvPr>
-        </p:nvSpPr>
-        <p:spPr/>
-        <p:txBody>
-          <a:bodyPr/>
-          <a:lstStyle/>
-          <a:p>
-            <a:endParaRPr lang="en-US"/>
-          </a:p>
-        </p:txBody>
-      </p:sp>
+      <p:pic>
+        <p:nvPicPr>
+          <p:cNvPr id="2" name="Picture 1"/>
+          <p:cNvPicPr>
+            <a:picLocks noChangeAspect="1"/>
+          </p:cNvPicPr>
+          <p:nvPr/>
+        </p:nvPicPr>
+        <p:blipFill>
+          <a:blip r:embed="rId2"/>
+          <a:stretch>
+            <a:fillRect/>
+          </a:stretch>
+        </p:blipFill>
+        <p:spPr>
+          <a:xfrm>
+            <a:off x="1529657" y="1148830"/>
+            <a:ext cx="6084686" cy="4560339"/>
+          </a:xfrm>
+          <a:prstGeom prst="rect">
+            <a:avLst/>
+          </a:prstGeom>
+        </p:spPr>
+      </p:pic>
     </p:spTree>
     <p:extLst>
       <p:ext uri="{BB962C8B-B14F-4D97-AF65-F5344CB8AC3E}">
-        <p14:creationId xmlns:p14="http://schemas.microsoft.com/office/powerpoint/2010/main" val="1605938203"/>
+        <p14:creationId xmlns:p14="http://schemas.microsoft.com/office/powerpoint/2010/main" val="683795843"/>
       </p:ext>
     </p:extLst>
   </p:cSld>
@@ -4133,34 +4528,52 @@
           <a:chExt cx="0" cy="0"/>
         </a:xfrm>
       </p:grpSpPr>
-      <p:pic>
-        <p:nvPicPr>
-          <p:cNvPr id="4" name="Picture 3"/>
-          <p:cNvPicPr>
-            <a:picLocks noChangeAspect="1"/>
-          </p:cNvPicPr>
-          <p:nvPr/>
-        </p:nvPicPr>
-        <p:blipFill>
-          <a:blip r:embed="rId2"/>
-          <a:stretch>
-            <a:fillRect/>
-          </a:stretch>
-        </p:blipFill>
-        <p:spPr>
-          <a:xfrm>
-            <a:off x="1516954" y="831258"/>
-            <a:ext cx="6110092" cy="5195484"/>
-          </a:xfrm>
-          <a:prstGeom prst="rect">
-            <a:avLst/>
-          </a:prstGeom>
-        </p:spPr>
-      </p:pic>
+      <p:sp>
+        <p:nvSpPr>
+          <p:cNvPr id="2" name="Title 1"/>
+          <p:cNvSpPr>
+            <a:spLocks noGrp="1"/>
+          </p:cNvSpPr>
+          <p:nvPr>
+            <p:ph type="title"/>
+          </p:nvPr>
+        </p:nvSpPr>
+        <p:spPr/>
+        <p:txBody>
+          <a:bodyPr/>
+          <a:lstStyle/>
+          <a:p>
+            <a:r>
+              <a:rPr lang="en-US" dirty="0" smtClean="0"/>
+              <a:t>Appendix</a:t>
+            </a:r>
+            <a:endParaRPr lang="en-US" dirty="0"/>
+          </a:p>
+        </p:txBody>
+      </p:sp>
+      <p:sp>
+        <p:nvSpPr>
+          <p:cNvPr id="3" name="Content Placeholder 2"/>
+          <p:cNvSpPr>
+            <a:spLocks noGrp="1"/>
+          </p:cNvSpPr>
+          <p:nvPr>
+            <p:ph idx="1"/>
+          </p:nvPr>
+        </p:nvSpPr>
+        <p:spPr/>
+        <p:txBody>
+          <a:bodyPr/>
+          <a:lstStyle/>
+          <a:p>
+            <a:endParaRPr lang="en-US"/>
+          </a:p>
+        </p:txBody>
+      </p:sp>
     </p:spTree>
     <p:extLst>
       <p:ext uri="{BB962C8B-B14F-4D97-AF65-F5344CB8AC3E}">
-        <p14:creationId xmlns:p14="http://schemas.microsoft.com/office/powerpoint/2010/main" val="893365430"/>
+        <p14:creationId xmlns:p14="http://schemas.microsoft.com/office/powerpoint/2010/main" val="1605938203"/>
       </p:ext>
     </p:extLst>
   </p:cSld>
@@ -4203,8 +4616,8 @@
         </p:blipFill>
         <p:spPr>
           <a:xfrm>
-            <a:off x="1459791" y="939233"/>
-            <a:ext cx="6224418" cy="4979534"/>
+            <a:off x="1516954" y="831258"/>
+            <a:ext cx="6110092" cy="5195484"/>
           </a:xfrm>
           <a:prstGeom prst="rect">
             <a:avLst/>
@@ -4214,7 +4627,7 @@
     </p:spTree>
     <p:extLst>
       <p:ext uri="{BB962C8B-B14F-4D97-AF65-F5344CB8AC3E}">
-        <p14:creationId xmlns:p14="http://schemas.microsoft.com/office/powerpoint/2010/main" val="55739396"/>
+        <p14:creationId xmlns:p14="http://schemas.microsoft.com/office/powerpoint/2010/main" val="893365430"/>
       </p:ext>
     </p:extLst>
   </p:cSld>
